--- a/Examples/Presentations/Gameplay Support.pptx
+++ b/Examples/Presentations/Gameplay Support.pptx
@@ -12,7 +12,10 @@
     <p:sldId id="258" r:id="rId6"/>
     <p:sldId id="262" r:id="rId7"/>
     <p:sldId id="263" r:id="rId8"/>
-    <p:sldId id="260" r:id="rId9"/>
+    <p:sldId id="264" r:id="rId9"/>
+    <p:sldId id="260" r:id="rId10"/>
+    <p:sldId id="265" r:id="rId11"/>
+    <p:sldId id="266" r:id="rId12"/>
   </p:sldIdLst>
   <p:sldSz cx="12192000" cy="6858000"/>
   <p:notesSz cx="6858000" cy="9144000"/>
@@ -111,6 +114,11 @@
       </a:defRPr>
     </a:lvl9pPr>
   </p:defaultTextStyle>
+  <p:extLst>
+    <p:ext uri="{EFAFB233-063F-42B5-8137-9DF3F51BA10A}">
+      <p15:sldGuideLst xmlns:p15="http://schemas.microsoft.com/office/powerpoint/2012/main"/>
+    </p:ext>
+  </p:extLst>
 </p:presentation>
 </file>
 
@@ -156,10 +164,9 @@
           </a:lstStyle>
           <a:p>
             <a:r>
-              <a:rPr lang="en-US" smtClean="0"/>
+              <a:rPr lang="en-US"/>
               <a:t>Click to edit Master title style</a:t>
             </a:r>
-            <a:endParaRPr lang="en-US"/>
           </a:p>
         </p:txBody>
       </p:sp>
@@ -221,10 +228,9 @@
           </a:lstStyle>
           <a:p>
             <a:r>
-              <a:rPr lang="en-US" smtClean="0"/>
+              <a:rPr lang="en-US"/>
               <a:t>Click to edit Master subtitle style</a:t>
             </a:r>
-            <a:endParaRPr lang="en-US"/>
           </a:p>
         </p:txBody>
       </p:sp>
@@ -339,10 +345,9 @@
           <a:lstStyle/>
           <a:p>
             <a:r>
-              <a:rPr lang="en-US" smtClean="0"/>
+              <a:rPr lang="en-US"/>
               <a:t>Click to edit Master title style</a:t>
             </a:r>
-            <a:endParaRPr lang="en-US"/>
           </a:p>
         </p:txBody>
       </p:sp>
@@ -363,38 +368,37 @@
           <a:p>
             <a:pPr lvl="0"/>
             <a:r>
-              <a:rPr lang="en-US" smtClean="0"/>
+              <a:rPr lang="en-US"/>
               <a:t>Click to edit Master text styles</a:t>
             </a:r>
           </a:p>
           <a:p>
             <a:pPr lvl="1"/>
             <a:r>
-              <a:rPr lang="en-US" smtClean="0"/>
+              <a:rPr lang="en-US"/>
               <a:t>Second level</a:t>
             </a:r>
           </a:p>
           <a:p>
             <a:pPr lvl="2"/>
             <a:r>
-              <a:rPr lang="en-US" smtClean="0"/>
+              <a:rPr lang="en-US"/>
               <a:t>Third level</a:t>
             </a:r>
           </a:p>
           <a:p>
             <a:pPr lvl="3"/>
             <a:r>
-              <a:rPr lang="en-US" smtClean="0"/>
+              <a:rPr lang="en-US"/>
               <a:t>Fourth level</a:t>
             </a:r>
           </a:p>
           <a:p>
             <a:pPr lvl="4"/>
             <a:r>
-              <a:rPr lang="en-US" smtClean="0"/>
+              <a:rPr lang="en-US"/>
               <a:t>Fifth level</a:t>
             </a:r>
-            <a:endParaRPr lang="en-US"/>
           </a:p>
         </p:txBody>
       </p:sp>
@@ -514,10 +518,9 @@
           <a:lstStyle/>
           <a:p>
             <a:r>
-              <a:rPr lang="en-US" smtClean="0"/>
+              <a:rPr lang="en-US"/>
               <a:t>Click to edit Master title style</a:t>
             </a:r>
-            <a:endParaRPr lang="en-US"/>
           </a:p>
         </p:txBody>
       </p:sp>
@@ -543,38 +546,37 @@
           <a:p>
             <a:pPr lvl="0"/>
             <a:r>
-              <a:rPr lang="en-US" smtClean="0"/>
+              <a:rPr lang="en-US"/>
               <a:t>Click to edit Master text styles</a:t>
             </a:r>
           </a:p>
           <a:p>
             <a:pPr lvl="1"/>
             <a:r>
-              <a:rPr lang="en-US" smtClean="0"/>
+              <a:rPr lang="en-US"/>
               <a:t>Second level</a:t>
             </a:r>
           </a:p>
           <a:p>
             <a:pPr lvl="2"/>
             <a:r>
-              <a:rPr lang="en-US" smtClean="0"/>
+              <a:rPr lang="en-US"/>
               <a:t>Third level</a:t>
             </a:r>
           </a:p>
           <a:p>
             <a:pPr lvl="3"/>
             <a:r>
-              <a:rPr lang="en-US" smtClean="0"/>
+              <a:rPr lang="en-US"/>
               <a:t>Fourth level</a:t>
             </a:r>
           </a:p>
           <a:p>
             <a:pPr lvl="4"/>
             <a:r>
-              <a:rPr lang="en-US" smtClean="0"/>
+              <a:rPr lang="en-US"/>
               <a:t>Fifth level</a:t>
             </a:r>
-            <a:endParaRPr lang="en-US"/>
           </a:p>
         </p:txBody>
       </p:sp>
@@ -689,10 +691,9 @@
           <a:lstStyle/>
           <a:p>
             <a:r>
-              <a:rPr lang="en-US" smtClean="0"/>
+              <a:rPr lang="en-US"/>
               <a:t>Click to edit Master title style</a:t>
             </a:r>
-            <a:endParaRPr lang="en-US"/>
           </a:p>
         </p:txBody>
       </p:sp>
@@ -713,38 +714,37 @@
           <a:p>
             <a:pPr lvl="0"/>
             <a:r>
-              <a:rPr lang="en-US" smtClean="0"/>
+              <a:rPr lang="en-US"/>
               <a:t>Click to edit Master text styles</a:t>
             </a:r>
           </a:p>
           <a:p>
             <a:pPr lvl="1"/>
             <a:r>
-              <a:rPr lang="en-US" smtClean="0"/>
+              <a:rPr lang="en-US"/>
               <a:t>Second level</a:t>
             </a:r>
           </a:p>
           <a:p>
             <a:pPr lvl="2"/>
             <a:r>
-              <a:rPr lang="en-US" smtClean="0"/>
+              <a:rPr lang="en-US"/>
               <a:t>Third level</a:t>
             </a:r>
           </a:p>
           <a:p>
             <a:pPr lvl="3"/>
             <a:r>
-              <a:rPr lang="en-US" smtClean="0"/>
+              <a:rPr lang="en-US"/>
               <a:t>Fourth level</a:t>
             </a:r>
           </a:p>
           <a:p>
             <a:pPr lvl="4"/>
             <a:r>
-              <a:rPr lang="en-US" smtClean="0"/>
+              <a:rPr lang="en-US"/>
               <a:t>Fifth level</a:t>
             </a:r>
-            <a:endParaRPr lang="en-US"/>
           </a:p>
         </p:txBody>
       </p:sp>
@@ -868,10 +868,9 @@
           </a:lstStyle>
           <a:p>
             <a:r>
-              <a:rPr lang="en-US" smtClean="0"/>
+              <a:rPr lang="en-US"/>
               <a:t>Click to edit Master title style</a:t>
             </a:r>
-            <a:endParaRPr lang="en-US"/>
           </a:p>
         </p:txBody>
       </p:sp>
@@ -988,7 +987,7 @@
           <a:p>
             <a:pPr lvl="0"/>
             <a:r>
-              <a:rPr lang="en-US" smtClean="0"/>
+              <a:rPr lang="en-US"/>
               <a:t>Click to edit Master text styles</a:t>
             </a:r>
           </a:p>
@@ -1105,10 +1104,9 @@
           <a:lstStyle/>
           <a:p>
             <a:r>
-              <a:rPr lang="en-US" smtClean="0"/>
+              <a:rPr lang="en-US"/>
               <a:t>Click to edit Master title style</a:t>
             </a:r>
-            <a:endParaRPr lang="en-US"/>
           </a:p>
         </p:txBody>
       </p:sp>
@@ -1134,38 +1132,37 @@
           <a:p>
             <a:pPr lvl="0"/>
             <a:r>
-              <a:rPr lang="en-US" smtClean="0"/>
+              <a:rPr lang="en-US"/>
               <a:t>Click to edit Master text styles</a:t>
             </a:r>
           </a:p>
           <a:p>
             <a:pPr lvl="1"/>
             <a:r>
-              <a:rPr lang="en-US" smtClean="0"/>
+              <a:rPr lang="en-US"/>
               <a:t>Second level</a:t>
             </a:r>
           </a:p>
           <a:p>
             <a:pPr lvl="2"/>
             <a:r>
-              <a:rPr lang="en-US" smtClean="0"/>
+              <a:rPr lang="en-US"/>
               <a:t>Third level</a:t>
             </a:r>
           </a:p>
           <a:p>
             <a:pPr lvl="3"/>
             <a:r>
-              <a:rPr lang="en-US" smtClean="0"/>
+              <a:rPr lang="en-US"/>
               <a:t>Fourth level</a:t>
             </a:r>
           </a:p>
           <a:p>
             <a:pPr lvl="4"/>
             <a:r>
-              <a:rPr lang="en-US" smtClean="0"/>
+              <a:rPr lang="en-US"/>
               <a:t>Fifth level</a:t>
             </a:r>
-            <a:endParaRPr lang="en-US"/>
           </a:p>
         </p:txBody>
       </p:sp>
@@ -1191,38 +1188,37 @@
           <a:p>
             <a:pPr lvl="0"/>
             <a:r>
-              <a:rPr lang="en-US" smtClean="0"/>
+              <a:rPr lang="en-US"/>
               <a:t>Click to edit Master text styles</a:t>
             </a:r>
           </a:p>
           <a:p>
             <a:pPr lvl="1"/>
             <a:r>
-              <a:rPr lang="en-US" smtClean="0"/>
+              <a:rPr lang="en-US"/>
               <a:t>Second level</a:t>
             </a:r>
           </a:p>
           <a:p>
             <a:pPr lvl="2"/>
             <a:r>
-              <a:rPr lang="en-US" smtClean="0"/>
+              <a:rPr lang="en-US"/>
               <a:t>Third level</a:t>
             </a:r>
           </a:p>
           <a:p>
             <a:pPr lvl="3"/>
             <a:r>
-              <a:rPr lang="en-US" smtClean="0"/>
+              <a:rPr lang="en-US"/>
               <a:t>Fourth level</a:t>
             </a:r>
           </a:p>
           <a:p>
             <a:pPr lvl="4"/>
             <a:r>
-              <a:rPr lang="en-US" smtClean="0"/>
+              <a:rPr lang="en-US"/>
               <a:t>Fifth level</a:t>
             </a:r>
-            <a:endParaRPr lang="en-US"/>
           </a:p>
         </p:txBody>
       </p:sp>
@@ -1342,10 +1338,9 @@
           <a:lstStyle/>
           <a:p>
             <a:r>
-              <a:rPr lang="en-US" smtClean="0"/>
+              <a:rPr lang="en-US"/>
               <a:t>Click to edit Master title style</a:t>
             </a:r>
-            <a:endParaRPr lang="en-US"/>
           </a:p>
         </p:txBody>
       </p:sp>
@@ -1408,7 +1403,7 @@
           <a:p>
             <a:pPr lvl="0"/>
             <a:r>
-              <a:rPr lang="en-US" smtClean="0"/>
+              <a:rPr lang="en-US"/>
               <a:t>Click to edit Master text styles</a:t>
             </a:r>
           </a:p>
@@ -1436,38 +1431,37 @@
           <a:p>
             <a:pPr lvl="0"/>
             <a:r>
-              <a:rPr lang="en-US" smtClean="0"/>
+              <a:rPr lang="en-US"/>
               <a:t>Click to edit Master text styles</a:t>
             </a:r>
           </a:p>
           <a:p>
             <a:pPr lvl="1"/>
             <a:r>
-              <a:rPr lang="en-US" smtClean="0"/>
+              <a:rPr lang="en-US"/>
               <a:t>Second level</a:t>
             </a:r>
           </a:p>
           <a:p>
             <a:pPr lvl="2"/>
             <a:r>
-              <a:rPr lang="en-US" smtClean="0"/>
+              <a:rPr lang="en-US"/>
               <a:t>Third level</a:t>
             </a:r>
           </a:p>
           <a:p>
             <a:pPr lvl="3"/>
             <a:r>
-              <a:rPr lang="en-US" smtClean="0"/>
+              <a:rPr lang="en-US"/>
               <a:t>Fourth level</a:t>
             </a:r>
           </a:p>
           <a:p>
             <a:pPr lvl="4"/>
             <a:r>
-              <a:rPr lang="en-US" smtClean="0"/>
+              <a:rPr lang="en-US"/>
               <a:t>Fifth level</a:t>
             </a:r>
-            <a:endParaRPr lang="en-US"/>
           </a:p>
         </p:txBody>
       </p:sp>
@@ -1530,7 +1524,7 @@
           <a:p>
             <a:pPr lvl="0"/>
             <a:r>
-              <a:rPr lang="en-US" smtClean="0"/>
+              <a:rPr lang="en-US"/>
               <a:t>Click to edit Master text styles</a:t>
             </a:r>
           </a:p>
@@ -1558,38 +1552,37 @@
           <a:p>
             <a:pPr lvl="0"/>
             <a:r>
-              <a:rPr lang="en-US" smtClean="0"/>
+              <a:rPr lang="en-US"/>
               <a:t>Click to edit Master text styles</a:t>
             </a:r>
           </a:p>
           <a:p>
             <a:pPr lvl="1"/>
             <a:r>
-              <a:rPr lang="en-US" smtClean="0"/>
+              <a:rPr lang="en-US"/>
               <a:t>Second level</a:t>
             </a:r>
           </a:p>
           <a:p>
             <a:pPr lvl="2"/>
             <a:r>
-              <a:rPr lang="en-US" smtClean="0"/>
+              <a:rPr lang="en-US"/>
               <a:t>Third level</a:t>
             </a:r>
           </a:p>
           <a:p>
             <a:pPr lvl="3"/>
             <a:r>
-              <a:rPr lang="en-US" smtClean="0"/>
+              <a:rPr lang="en-US"/>
               <a:t>Fourth level</a:t>
             </a:r>
           </a:p>
           <a:p>
             <a:pPr lvl="4"/>
             <a:r>
-              <a:rPr lang="en-US" smtClean="0"/>
+              <a:rPr lang="en-US"/>
               <a:t>Fifth level</a:t>
             </a:r>
-            <a:endParaRPr lang="en-US"/>
           </a:p>
         </p:txBody>
       </p:sp>
@@ -1704,10 +1697,9 @@
           <a:lstStyle/>
           <a:p>
             <a:r>
-              <a:rPr lang="en-US" smtClean="0"/>
+              <a:rPr lang="en-US"/>
               <a:t>Click to edit Master title style</a:t>
             </a:r>
-            <a:endParaRPr lang="en-US"/>
           </a:p>
         </p:txBody>
       </p:sp>
@@ -1926,10 +1918,9 @@
           </a:lstStyle>
           <a:p>
             <a:r>
-              <a:rPr lang="en-US" smtClean="0"/>
+              <a:rPr lang="en-US"/>
               <a:t>Click to edit Master title style</a:t>
             </a:r>
-            <a:endParaRPr lang="en-US"/>
           </a:p>
         </p:txBody>
       </p:sp>
@@ -1983,38 +1974,37 @@
           <a:p>
             <a:pPr lvl="0"/>
             <a:r>
-              <a:rPr lang="en-US" smtClean="0"/>
+              <a:rPr lang="en-US"/>
               <a:t>Click to edit Master text styles</a:t>
             </a:r>
           </a:p>
           <a:p>
             <a:pPr lvl="1"/>
             <a:r>
-              <a:rPr lang="en-US" smtClean="0"/>
+              <a:rPr lang="en-US"/>
               <a:t>Second level</a:t>
             </a:r>
           </a:p>
           <a:p>
             <a:pPr lvl="2"/>
             <a:r>
-              <a:rPr lang="en-US" smtClean="0"/>
+              <a:rPr lang="en-US"/>
               <a:t>Third level</a:t>
             </a:r>
           </a:p>
           <a:p>
             <a:pPr lvl="3"/>
             <a:r>
-              <a:rPr lang="en-US" smtClean="0"/>
+              <a:rPr lang="en-US"/>
               <a:t>Fourth level</a:t>
             </a:r>
           </a:p>
           <a:p>
             <a:pPr lvl="4"/>
             <a:r>
-              <a:rPr lang="en-US" smtClean="0"/>
+              <a:rPr lang="en-US"/>
               <a:t>Fifth level</a:t>
             </a:r>
-            <a:endParaRPr lang="en-US"/>
           </a:p>
         </p:txBody>
       </p:sp>
@@ -2077,7 +2067,7 @@
           <a:p>
             <a:pPr lvl="0"/>
             <a:r>
-              <a:rPr lang="en-US" smtClean="0"/>
+              <a:rPr lang="en-US"/>
               <a:t>Click to edit Master text styles</a:t>
             </a:r>
           </a:p>
@@ -2203,10 +2193,9 @@
           </a:lstStyle>
           <a:p>
             <a:r>
-              <a:rPr lang="en-US" smtClean="0"/>
+              <a:rPr lang="en-US"/>
               <a:t>Click to edit Master title style</a:t>
             </a:r>
-            <a:endParaRPr lang="en-US"/>
           </a:p>
         </p:txBody>
       </p:sp>
@@ -2330,7 +2319,7 @@
           <a:p>
             <a:pPr lvl="0"/>
             <a:r>
-              <a:rPr lang="en-US" smtClean="0"/>
+              <a:rPr lang="en-US"/>
               <a:t>Click to edit Master text styles</a:t>
             </a:r>
           </a:p>
@@ -2462,10 +2451,9 @@
           <a:lstStyle/>
           <a:p>
             <a:r>
-              <a:rPr lang="en-US" smtClean="0"/>
+              <a:rPr lang="en-US"/>
               <a:t>Click to edit Master title style</a:t>
             </a:r>
-            <a:endParaRPr lang="en-US"/>
           </a:p>
         </p:txBody>
       </p:sp>
@@ -2496,38 +2484,37 @@
           <a:p>
             <a:pPr lvl="0"/>
             <a:r>
-              <a:rPr lang="en-US" smtClean="0"/>
+              <a:rPr lang="en-US"/>
               <a:t>Click to edit Master text styles</a:t>
             </a:r>
           </a:p>
           <a:p>
             <a:pPr lvl="1"/>
             <a:r>
-              <a:rPr lang="en-US" smtClean="0"/>
+              <a:rPr lang="en-US"/>
               <a:t>Second level</a:t>
             </a:r>
           </a:p>
           <a:p>
             <a:pPr lvl="2"/>
             <a:r>
-              <a:rPr lang="en-US" smtClean="0"/>
+              <a:rPr lang="en-US"/>
               <a:t>Third level</a:t>
             </a:r>
           </a:p>
           <a:p>
             <a:pPr lvl="3"/>
             <a:r>
-              <a:rPr lang="en-US" smtClean="0"/>
+              <a:rPr lang="en-US"/>
               <a:t>Fourth level</a:t>
             </a:r>
           </a:p>
           <a:p>
             <a:pPr lvl="4"/>
             <a:r>
-              <a:rPr lang="en-US" smtClean="0"/>
+              <a:rPr lang="en-US"/>
               <a:t>Fifth level</a:t>
             </a:r>
-            <a:endParaRPr lang="en-US"/>
           </a:p>
         </p:txBody>
       </p:sp>
@@ -2987,10 +2974,9 @@
           <a:lstStyle/>
           <a:p>
             <a:r>
-              <a:rPr lang="en-US" dirty="0" smtClean="0"/>
+              <a:rPr lang="en-US" dirty="0"/>
               <a:t>Gameplay Support</a:t>
             </a:r>
-            <a:endParaRPr lang="en-US" dirty="0"/>
           </a:p>
         </p:txBody>
       </p:sp>
@@ -3010,18 +2996,17 @@
           <a:lstStyle/>
           <a:p>
             <a:r>
-              <a:rPr lang="en-US" dirty="0" smtClean="0"/>
+              <a:rPr lang="en-US" dirty="0"/>
               <a:t>Bojan </a:t>
             </a:r>
             <a:r>
-              <a:rPr lang="en-US" dirty="0" err="1" smtClean="0"/>
+              <a:rPr lang="en-US" dirty="0" err="1"/>
               <a:t>Endrovski</a:t>
             </a:r>
             <a:r>
-              <a:rPr lang="en-US" dirty="0" smtClean="0"/>
+              <a:rPr lang="en-US" dirty="0"/>
               <a:t> - endrovski.b@ade-nhtv.nl</a:t>
             </a:r>
-            <a:endParaRPr lang="en-US" dirty="0"/>
           </a:p>
         </p:txBody>
       </p:sp>
@@ -3029,6 +3014,164 @@
     <p:extLst>
       <p:ext uri="{BB962C8B-B14F-4D97-AF65-F5344CB8AC3E}">
         <p14:creationId xmlns:p14="http://schemas.microsoft.com/office/powerpoint/2010/main" val="1928161526"/>
+      </p:ext>
+    </p:extLst>
+  </p:cSld>
+  <p:clrMapOvr>
+    <a:masterClrMapping/>
+  </p:clrMapOvr>
+</p:sld>
+</file>
+
+<file path=ppt/slides/slide10.xml><?xml version="1.0" encoding="utf-8"?>
+<p:sld xmlns:a="http://schemas.openxmlformats.org/drawingml/2006/main" xmlns:r="http://schemas.openxmlformats.org/officeDocument/2006/relationships" xmlns:p="http://schemas.openxmlformats.org/presentationml/2006/main">
+  <p:cSld>
+    <p:spTree>
+      <p:nvGrpSpPr>
+        <p:cNvPr id="1" name=""/>
+        <p:cNvGrpSpPr/>
+        <p:nvPr/>
+      </p:nvGrpSpPr>
+      <p:grpSpPr>
+        <a:xfrm>
+          <a:off x="0" y="0"/>
+          <a:ext cx="0" cy="0"/>
+          <a:chOff x="0" y="0"/>
+          <a:chExt cx="0" cy="0"/>
+        </a:xfrm>
+      </p:grpSpPr>
+      <p:sp>
+        <p:nvSpPr>
+          <p:cNvPr id="2" name="Title 1"/>
+          <p:cNvSpPr>
+            <a:spLocks noGrp="1"/>
+          </p:cNvSpPr>
+          <p:nvPr>
+            <p:ph type="title"/>
+          </p:nvPr>
+        </p:nvSpPr>
+        <p:spPr/>
+        <p:txBody>
+          <a:bodyPr/>
+          <a:lstStyle/>
+          <a:p>
+            <a:r>
+              <a:rPr lang="en-US" dirty="0"/>
+              <a:t>Questions</a:t>
+            </a:r>
+            <a:endParaRPr lang="nl-NL" dirty="0"/>
+          </a:p>
+        </p:txBody>
+      </p:sp>
+      <p:sp>
+        <p:nvSpPr>
+          <p:cNvPr id="3" name="Content Placeholder 2"/>
+          <p:cNvSpPr>
+            <a:spLocks noGrp="1"/>
+          </p:cNvSpPr>
+          <p:nvPr>
+            <p:ph idx="1"/>
+          </p:nvPr>
+        </p:nvSpPr>
+        <p:spPr/>
+        <p:txBody>
+          <a:bodyPr>
+            <a:noAutofit/>
+          </a:bodyPr>
+          <a:lstStyle/>
+          <a:p>
+            <a:pPr marL="0" indent="0" algn="ctr">
+              <a:buNone/>
+            </a:pPr>
+            <a:r>
+              <a:rPr lang="en-US" sz="23900" dirty="0"/>
+              <a:t>?</a:t>
+            </a:r>
+            <a:endParaRPr lang="nl-NL" sz="23900" dirty="0"/>
+          </a:p>
+        </p:txBody>
+      </p:sp>
+    </p:spTree>
+    <p:extLst>
+      <p:ext uri="{BB962C8B-B14F-4D97-AF65-F5344CB8AC3E}">
+        <p14:creationId xmlns:p14="http://schemas.microsoft.com/office/powerpoint/2010/main" val="229108122"/>
+      </p:ext>
+    </p:extLst>
+  </p:cSld>
+  <p:clrMapOvr>
+    <a:masterClrMapping/>
+  </p:clrMapOvr>
+</p:sld>
+</file>
+
+<file path=ppt/slides/slide11.xml><?xml version="1.0" encoding="utf-8"?>
+<p:sld xmlns:a="http://schemas.openxmlformats.org/drawingml/2006/main" xmlns:r="http://schemas.openxmlformats.org/officeDocument/2006/relationships" xmlns:p="http://schemas.openxmlformats.org/presentationml/2006/main">
+  <p:cSld>
+    <p:spTree>
+      <p:nvGrpSpPr>
+        <p:cNvPr id="1" name=""/>
+        <p:cNvGrpSpPr/>
+        <p:nvPr/>
+      </p:nvGrpSpPr>
+      <p:grpSpPr>
+        <a:xfrm>
+          <a:off x="0" y="0"/>
+          <a:ext cx="0" cy="0"/>
+          <a:chOff x="0" y="0"/>
+          <a:chExt cx="0" cy="0"/>
+        </a:xfrm>
+      </p:grpSpPr>
+      <p:sp>
+        <p:nvSpPr>
+          <p:cNvPr id="2" name="Title 1"/>
+          <p:cNvSpPr>
+            <a:spLocks noGrp="1"/>
+          </p:cNvSpPr>
+          <p:nvPr>
+            <p:ph type="title"/>
+          </p:nvPr>
+        </p:nvSpPr>
+        <p:spPr/>
+        <p:txBody>
+          <a:bodyPr/>
+          <a:lstStyle/>
+          <a:p>
+            <a:endParaRPr lang="nl-NL" dirty="0"/>
+          </a:p>
+        </p:txBody>
+      </p:sp>
+      <p:sp>
+        <p:nvSpPr>
+          <p:cNvPr id="3" name="Content Placeholder 2"/>
+          <p:cNvSpPr>
+            <a:spLocks noGrp="1"/>
+          </p:cNvSpPr>
+          <p:nvPr>
+            <p:ph idx="1"/>
+          </p:nvPr>
+        </p:nvSpPr>
+        <p:spPr/>
+        <p:txBody>
+          <a:bodyPr>
+            <a:normAutofit/>
+          </a:bodyPr>
+          <a:lstStyle/>
+          <a:p>
+            <a:pPr marL="0" indent="0" algn="ctr">
+              <a:buNone/>
+            </a:pPr>
+            <a:r>
+              <a:rPr lang="en-US" sz="7200" dirty="0"/>
+              <a:t>Thank you</a:t>
+            </a:r>
+            <a:endParaRPr lang="nl-NL" sz="7200" dirty="0"/>
+          </a:p>
+        </p:txBody>
+      </p:sp>
+    </p:spTree>
+    <p:extLst>
+      <p:ext uri="{BB962C8B-B14F-4D97-AF65-F5344CB8AC3E}">
+        <p14:creationId xmlns:p14="http://schemas.microsoft.com/office/powerpoint/2010/main" val="3753332497"/>
       </p:ext>
     </p:extLst>
   </p:cSld>
@@ -3071,54 +3214,74 @@
           <a:lstStyle/>
           <a:p>
             <a:r>
-              <a:rPr lang="en-US" dirty="0" smtClean="0"/>
+              <a:rPr lang="en-US" dirty="0"/>
               <a:t>Gameplay support systems</a:t>
             </a:r>
+          </a:p>
+        </p:txBody>
+      </p:sp>
+      <p:sp>
+        <p:nvSpPr>
+          <p:cNvPr id="3" name="Content Placeholder 2"/>
+          <p:cNvSpPr>
+            <a:spLocks noGrp="1"/>
+          </p:cNvSpPr>
+          <p:nvPr>
+            <p:ph idx="1"/>
+          </p:nvPr>
+        </p:nvSpPr>
+        <p:spPr/>
+        <p:txBody>
+          <a:bodyPr/>
+          <a:lstStyle/>
+          <a:p>
+            <a:r>
+              <a:rPr lang="en-US" b="1" dirty="0"/>
+              <a:t>Engine are much more useful when we can make games with them</a:t>
+            </a:r>
+          </a:p>
+          <a:p>
+            <a:r>
+              <a:rPr lang="en-US" dirty="0"/>
+              <a:t>Usual tasks for gameplay</a:t>
+            </a:r>
+          </a:p>
+          <a:p>
+            <a:pPr lvl="1"/>
+            <a:r>
+              <a:rPr lang="en-US" dirty="0"/>
+              <a:t>Maintain a list of entities</a:t>
+            </a:r>
+          </a:p>
+          <a:p>
+            <a:pPr lvl="1"/>
+            <a:r>
+              <a:rPr lang="en-US" dirty="0"/>
+              <a:t>Entities need to be able to perform certain operations</a:t>
+            </a:r>
+          </a:p>
+          <a:p>
+            <a:pPr lvl="1"/>
+            <a:r>
+              <a:rPr lang="en-US" dirty="0"/>
+              <a:t>Entities need can respond to messages/events</a:t>
+            </a:r>
+          </a:p>
+          <a:p>
+            <a:r>
+              <a:rPr lang="en-US" dirty="0"/>
+              <a:t>Important decision is who owns what in a game</a:t>
+            </a:r>
+          </a:p>
+          <a:p>
+            <a:pPr lvl="1"/>
+            <a:r>
+              <a:rPr lang="en-US" dirty="0"/>
+              <a:t>Unique/Shared pointers can help</a:t>
+            </a:r>
+          </a:p>
+          <a:p>
             <a:endParaRPr lang="en-US" dirty="0"/>
-          </a:p>
-        </p:txBody>
-      </p:sp>
-      <p:sp>
-        <p:nvSpPr>
-          <p:cNvPr id="3" name="Content Placeholder 2"/>
-          <p:cNvSpPr>
-            <a:spLocks noGrp="1"/>
-          </p:cNvSpPr>
-          <p:nvPr>
-            <p:ph idx="1"/>
-          </p:nvPr>
-        </p:nvSpPr>
-        <p:spPr/>
-        <p:txBody>
-          <a:bodyPr/>
-          <a:lstStyle/>
-          <a:p>
-            <a:r>
-              <a:rPr lang="en-US" dirty="0" smtClean="0"/>
-              <a:t>We need to maintain a list of entities</a:t>
-            </a:r>
-          </a:p>
-          <a:p>
-            <a:r>
-              <a:rPr lang="en-US" dirty="0" smtClean="0"/>
-              <a:t>The entities need to be able to perform certain operations</a:t>
-            </a:r>
-          </a:p>
-          <a:p>
-            <a:r>
-              <a:rPr lang="en-US" dirty="0" smtClean="0"/>
-              <a:t>Important decision is who owns what in a game</a:t>
-            </a:r>
-          </a:p>
-          <a:p>
-            <a:pPr lvl="1"/>
-            <a:r>
-              <a:rPr lang="en-US" dirty="0" smtClean="0"/>
-              <a:t>Unique/Shared pointers can help</a:t>
-            </a:r>
-          </a:p>
-          <a:p>
-            <a:endParaRPr lang="en-US" dirty="0" smtClean="0"/>
           </a:p>
           <a:p>
             <a:pPr marL="0" indent="0">
@@ -3174,10 +3337,9 @@
           <a:lstStyle/>
           <a:p>
             <a:r>
-              <a:rPr lang="en-US" dirty="0" smtClean="0"/>
-              <a:t>Code Time-World/Entity</a:t>
-            </a:r>
-            <a:endParaRPr lang="en-US" dirty="0"/>
+              <a:rPr lang="en-US" dirty="0"/>
+              <a:t>Code Time - World/Entity</a:t>
+            </a:r>
           </a:p>
         </p:txBody>
       </p:sp>
@@ -3197,49 +3359,44 @@
           <a:lstStyle/>
           <a:p>
             <a:r>
-              <a:rPr lang="en-US" dirty="0" smtClean="0"/>
+              <a:rPr lang="en-US" dirty="0"/>
               <a:t>Code Entity</a:t>
             </a:r>
-            <a:endParaRPr lang="en-US" dirty="0" smtClean="0"/>
-          </a:p>
-          <a:p>
-            <a:r>
-              <a:rPr lang="en-US" dirty="0" smtClean="0"/>
+          </a:p>
+          <a:p>
+            <a:r>
+              <a:rPr lang="en-US" dirty="0"/>
               <a:t>Code World</a:t>
             </a:r>
-            <a:endParaRPr lang="en-US" dirty="0"/>
-          </a:p>
-          <a:p>
-            <a:r>
-              <a:rPr lang="en-US" dirty="0" smtClean="0"/>
+          </a:p>
+          <a:p>
+            <a:r>
+              <a:rPr lang="en-US" dirty="0"/>
               <a:t>Add Entities</a:t>
             </a:r>
           </a:p>
           <a:p>
             <a:r>
-              <a:rPr lang="en-US" dirty="0" smtClean="0"/>
+              <a:rPr lang="en-US" dirty="0"/>
               <a:t>Ownership</a:t>
             </a:r>
-            <a:endParaRPr lang="en-US" dirty="0"/>
-          </a:p>
-          <a:p>
-            <a:r>
-              <a:rPr lang="en-US" dirty="0" smtClean="0"/>
+          </a:p>
+          <a:p>
+            <a:r>
+              <a:rPr lang="en-US" dirty="0"/>
               <a:t>Add from an Entity Update</a:t>
             </a:r>
-            <a:endParaRPr lang="en-US" dirty="0"/>
-          </a:p>
-          <a:p>
-            <a:r>
-              <a:rPr lang="en-US" dirty="0" smtClean="0"/>
+          </a:p>
+          <a:p>
+            <a:r>
+              <a:rPr lang="en-US" dirty="0"/>
               <a:t>Delete from Entity Update</a:t>
             </a:r>
-            <a:endParaRPr lang="en-US" dirty="0"/>
-          </a:p>
-          <a:p>
-            <a:r>
-              <a:rPr lang="en-US" dirty="0" smtClean="0"/>
-              <a:t>Fix</a:t>
+          </a:p>
+          <a:p>
+            <a:r>
+              <a:rPr lang="en-US" dirty="0"/>
+              <a:t>Fix the above</a:t>
             </a:r>
           </a:p>
         </p:txBody>
@@ -3290,14 +3447,9 @@
           <a:lstStyle/>
           <a:p>
             <a:r>
-              <a:rPr lang="en-US" dirty="0" smtClean="0"/>
-              <a:t>Gameplay support system </a:t>
-            </a:r>
-            <a:r>
-              <a:rPr lang="en-US" dirty="0" err="1" smtClean="0"/>
-              <a:t>arhitectures</a:t>
-            </a:r>
-            <a:endParaRPr lang="en-US" dirty="0"/>
+              <a:rPr lang="en-US" dirty="0"/>
+              <a:t>Some common architectures </a:t>
+            </a:r>
           </a:p>
         </p:txBody>
       </p:sp>
@@ -3319,119 +3471,76 @@
           <a:lstStyle/>
           <a:p>
             <a:r>
-              <a:rPr lang="en-US" dirty="0" smtClean="0"/>
-              <a:t>Use inheritance </a:t>
+              <a:rPr lang="en-US" dirty="0"/>
+              <a:t>Inheritance </a:t>
             </a:r>
           </a:p>
           <a:p>
             <a:pPr lvl="1"/>
             <a:r>
-              <a:rPr lang="en-US" dirty="0" smtClean="0"/>
+              <a:rPr lang="en-US" dirty="0"/>
               <a:t>Simple to set up (a language feature)</a:t>
             </a:r>
           </a:p>
           <a:p>
             <a:pPr lvl="1"/>
             <a:r>
-              <a:rPr lang="en-US" dirty="0" smtClean="0"/>
-              <a:t>Can get difficult to write gameplay code</a:t>
+              <a:rPr lang="en-US" dirty="0"/>
+              <a:t>Can get messy to write gameplay code</a:t>
             </a:r>
           </a:p>
           <a:p>
             <a:pPr lvl="1"/>
             <a:r>
-              <a:rPr lang="en-US" dirty="0" smtClean="0"/>
+              <a:rPr lang="en-US" dirty="0"/>
               <a:t>Multiple inheritance difficulties</a:t>
             </a:r>
           </a:p>
           <a:p>
             <a:r>
-              <a:rPr lang="en-US" dirty="0" smtClean="0"/>
+              <a:rPr lang="en-US" dirty="0"/>
               <a:t>Model-View-Controller</a:t>
             </a:r>
           </a:p>
           <a:p>
             <a:pPr lvl="1"/>
             <a:r>
-              <a:rPr lang="en-US" b="1" dirty="0" smtClean="0"/>
+              <a:rPr lang="en-US" b="1" dirty="0"/>
               <a:t>Model</a:t>
             </a:r>
             <a:r>
               <a:rPr lang="en-US" dirty="0"/>
-              <a:t> </a:t>
-            </a:r>
-            <a:r>
-              <a:rPr lang="en-US" dirty="0" smtClean="0"/>
-              <a:t>- Manages </a:t>
-            </a:r>
-            <a:r>
-              <a:rPr lang="en-US" dirty="0"/>
-              <a:t>the data, logic and </a:t>
-            </a:r>
-            <a:r>
-              <a:rPr lang="en-US" dirty="0" smtClean="0"/>
-              <a:t>rules</a:t>
-            </a:r>
-            <a:endParaRPr lang="en-US" dirty="0"/>
+              <a:t> - Manages the data, logic and rules</a:t>
+            </a:r>
           </a:p>
           <a:p>
             <a:pPr lvl="1"/>
             <a:r>
-              <a:rPr lang="en-US" b="1" dirty="0" smtClean="0"/>
+              <a:rPr lang="en-US" b="1" dirty="0"/>
               <a:t>View</a:t>
             </a:r>
             <a:r>
               <a:rPr lang="en-US" dirty="0"/>
-              <a:t> </a:t>
-            </a:r>
-            <a:r>
-              <a:rPr lang="en-US" dirty="0" smtClean="0"/>
-              <a:t>- A </a:t>
-            </a:r>
-            <a:r>
-              <a:rPr lang="en-US" dirty="0"/>
-              <a:t>representation of </a:t>
-            </a:r>
-            <a:r>
-              <a:rPr lang="en-US" dirty="0" smtClean="0"/>
-              <a:t>information. </a:t>
-            </a:r>
-            <a:r>
-              <a:rPr lang="en-US" dirty="0"/>
-              <a:t>Multiple views of the same information are </a:t>
-            </a:r>
-            <a:r>
-              <a:rPr lang="en-US" dirty="0" smtClean="0"/>
-              <a:t>possible</a:t>
-            </a:r>
-            <a:endParaRPr lang="en-US" dirty="0"/>
+              <a:t> - A representation of information. Multiple views of the same information are possible</a:t>
+            </a:r>
           </a:p>
           <a:p>
             <a:pPr lvl="1"/>
             <a:r>
-              <a:rPr lang="en-US" b="1" dirty="0" smtClean="0"/>
+              <a:rPr lang="en-US" b="1" dirty="0"/>
               <a:t>Controller</a:t>
             </a:r>
             <a:r>
-              <a:rPr lang="en-US" dirty="0" smtClean="0"/>
-              <a:t> - Brings input to the model </a:t>
-            </a:r>
-            <a:r>
-              <a:rPr lang="en-US" dirty="0"/>
-              <a:t>or view</a:t>
-            </a:r>
-            <a:r>
-              <a:rPr lang="en-US" dirty="0" smtClean="0"/>
-              <a:t>.</a:t>
+              <a:rPr lang="en-US" dirty="0"/>
+              <a:t> - Brings input to the model or view.</a:t>
             </a:r>
           </a:p>
           <a:p>
             <a:pPr lvl="1"/>
             <a:r>
-              <a:rPr lang="en-US" dirty="0" smtClean="0"/>
-              <a:t>Often used in </a:t>
-            </a:r>
-            <a:endParaRPr lang="en-US" dirty="0"/>
+              <a:rPr lang="en-US" dirty="0"/>
+              <a:t>Often used for UI and outside of game dev</a:t>
+            </a:r>
           </a:p>
           <a:p>
             <a:pPr lvl="1"/>
@@ -3485,10 +3594,9 @@
           <a:lstStyle/>
           <a:p>
             <a:r>
-              <a:rPr lang="en-US" dirty="0" smtClean="0"/>
+              <a:rPr lang="en-US" dirty="0"/>
               <a:t>Entity-Component System</a:t>
             </a:r>
-            <a:endParaRPr lang="en-US" dirty="0"/>
           </a:p>
         </p:txBody>
       </p:sp>
@@ -3504,49 +3612,94 @@
         </p:nvSpPr>
         <p:spPr/>
         <p:txBody>
-          <a:bodyPr/>
-          <a:lstStyle/>
-          <a:p>
-            <a:r>
-              <a:rPr lang="en-US" dirty="0" smtClean="0"/>
+          <a:bodyPr>
+            <a:normAutofit fontScale="92500" lnSpcReduction="10000"/>
+          </a:bodyPr>
+          <a:lstStyle/>
+          <a:p>
+            <a:r>
+              <a:rPr lang="en-US" dirty="0"/>
+              <a:t>A way to solve the issues with inheritance (and create new ones)</a:t>
+            </a:r>
+          </a:p>
+          <a:p>
+            <a:pPr lvl="1"/>
+            <a:r>
+              <a:rPr lang="en-US" dirty="0"/>
+              <a:t>Historically starts with </a:t>
+            </a:r>
+            <a:r>
+              <a:rPr lang="en-US" i="1" dirty="0"/>
+              <a:t>Thief </a:t>
+            </a:r>
+          </a:p>
+          <a:p>
+            <a:r>
+              <a:rPr lang="en-US" dirty="0"/>
+              <a:t>Pros</a:t>
+            </a:r>
+          </a:p>
+          <a:p>
+            <a:pPr lvl="1"/>
+            <a:r>
+              <a:rPr lang="en-US" dirty="0"/>
               <a:t>Uses composition</a:t>
             </a:r>
           </a:p>
           <a:p>
-            <a:r>
-              <a:rPr lang="en-US" dirty="0" smtClean="0"/>
-              <a:t>Far less need for multiple </a:t>
-            </a:r>
-            <a:r>
-              <a:rPr lang="en-US" dirty="0" err="1" smtClean="0"/>
-              <a:t>inheriatnace</a:t>
-            </a:r>
-            <a:endParaRPr lang="en-US" dirty="0"/>
-          </a:p>
-          <a:p>
-            <a:r>
-              <a:rPr lang="en-US" dirty="0" smtClean="0"/>
+            <a:pPr lvl="1"/>
+            <a:r>
+              <a:rPr lang="en-US" dirty="0"/>
+              <a:t>Far less need for multiple inheritance</a:t>
+            </a:r>
+          </a:p>
+          <a:p>
+            <a:pPr lvl="1"/>
+            <a:r>
+              <a:rPr lang="en-US" dirty="0"/>
               <a:t>Makes adding new  features easier</a:t>
             </a:r>
           </a:p>
           <a:p>
-            <a:r>
-              <a:rPr lang="en-US" dirty="0" smtClean="0"/>
-              <a:t>Lends itself</a:t>
-            </a:r>
-          </a:p>
-          <a:p>
-            <a:r>
-              <a:rPr lang="en-US" dirty="0" smtClean="0"/>
-              <a:t>Performance difficult to control</a:t>
-            </a:r>
-          </a:p>
-          <a:p>
-            <a:r>
-              <a:rPr lang="en-US" dirty="0" smtClean="0"/>
-              <a:t> </a:t>
-            </a:r>
-            <a:endParaRPr lang="en-US" dirty="0"/>
+            <a:pPr lvl="1"/>
+            <a:r>
+              <a:rPr lang="en-US" dirty="0"/>
+              <a:t>Lends itself well to scripting </a:t>
+            </a:r>
+          </a:p>
+          <a:p>
+            <a:r>
+              <a:rPr lang="en-US" dirty="0"/>
+              <a:t>Cons</a:t>
+            </a:r>
+          </a:p>
+          <a:p>
+            <a:pPr lvl="1"/>
+            <a:r>
+              <a:rPr lang="en-US" dirty="0"/>
+              <a:t>More code</a:t>
+            </a:r>
+          </a:p>
+          <a:p>
+            <a:pPr lvl="1"/>
+            <a:r>
+              <a:rPr lang="en-US" dirty="0"/>
+              <a:t>More runtime checks</a:t>
+            </a:r>
+          </a:p>
+          <a:p>
+            <a:pPr lvl="1"/>
+            <a:r>
+              <a:rPr lang="en-US" dirty="0"/>
+              <a:t>Too much freedom (can lead to poor structure)</a:t>
+            </a:r>
+          </a:p>
+          <a:p>
+            <a:pPr lvl="1"/>
+            <a:r>
+              <a:rPr lang="en-US" dirty="0"/>
+              <a:t>Performance can be difficult to control</a:t>
+            </a:r>
           </a:p>
         </p:txBody>
       </p:sp>
@@ -3596,11 +3749,11 @@
           <a:lstStyle/>
           <a:p>
             <a:r>
-              <a:rPr lang="en-US" dirty="0" smtClean="0"/>
+              <a:rPr lang="en-US" dirty="0"/>
               <a:t>Code Time – Component/</a:t>
             </a:r>
             <a:r>
-              <a:rPr lang="en-US" dirty="0" err="1" smtClean="0"/>
+              <a:rPr lang="en-US" dirty="0" err="1"/>
               <a:t>ComponentContainer</a:t>
             </a:r>
             <a:endParaRPr lang="en-US" dirty="0"/>
@@ -3623,18 +3776,58 @@
           <a:lstStyle/>
           <a:p>
             <a:r>
-              <a:rPr lang="en-US" dirty="0" smtClean="0"/>
+              <a:rPr lang="en-US" dirty="0"/>
               <a:t>Why templates?</a:t>
             </a:r>
           </a:p>
           <a:p>
             <a:r>
-              <a:rPr lang="en-US" dirty="0" smtClean="0"/>
-              <a:t>Who can have components</a:t>
-            </a:r>
-          </a:p>
-          <a:p>
-            <a:endParaRPr lang="en-US" dirty="0" smtClean="0"/>
+              <a:rPr lang="en-US" dirty="0"/>
+              <a:t>Who can have components?</a:t>
+            </a:r>
+          </a:p>
+          <a:p>
+            <a:pPr lvl="1"/>
+            <a:r>
+              <a:rPr lang="en-US" dirty="0"/>
+              <a:t>Entities</a:t>
+            </a:r>
+          </a:p>
+          <a:p>
+            <a:pPr lvl="1"/>
+            <a:r>
+              <a:rPr lang="en-US" dirty="0"/>
+              <a:t>World</a:t>
+            </a:r>
+          </a:p>
+          <a:p>
+            <a:pPr lvl="1"/>
+            <a:r>
+              <a:rPr lang="en-US" dirty="0"/>
+              <a:t>Engine</a:t>
+            </a:r>
+          </a:p>
+          <a:p>
+            <a:pPr lvl="1"/>
+            <a:r>
+              <a:rPr lang="en-US" dirty="0"/>
+              <a:t>…</a:t>
+            </a:r>
+          </a:p>
+          <a:p>
+            <a:r>
+              <a:rPr lang="en-US" dirty="0"/>
+              <a:t>Who owns the components</a:t>
+            </a:r>
+          </a:p>
+          <a:p>
+            <a:r>
+              <a:rPr lang="en-US" dirty="0"/>
+              <a:t>Finding components</a:t>
+            </a:r>
+          </a:p>
+          <a:p>
+            <a:endParaRPr lang="en-US" dirty="0"/>
           </a:p>
           <a:p>
             <a:endParaRPr lang="en-US" dirty="0"/>
@@ -3687,47 +3880,54 @@
           <a:lstStyle/>
           <a:p>
             <a:r>
-              <a:rPr lang="en-US" dirty="0" smtClean="0"/>
-              <a:t>Entity Component performance</a:t>
-            </a:r>
+              <a:rPr lang="en-US" dirty="0"/>
+              <a:t>Entity-Component System Difficulties </a:t>
+            </a:r>
+          </a:p>
+        </p:txBody>
+      </p:sp>
+      <p:sp>
+        <p:nvSpPr>
+          <p:cNvPr id="3" name="Content Placeholder 2"/>
+          <p:cNvSpPr>
+            <a:spLocks noGrp="1"/>
+          </p:cNvSpPr>
+          <p:nvPr>
+            <p:ph idx="1"/>
+          </p:nvPr>
+        </p:nvSpPr>
+        <p:spPr/>
+        <p:txBody>
+          <a:bodyPr/>
+          <a:lstStyle/>
+          <a:p>
+            <a:r>
+              <a:rPr lang="en-US" dirty="0"/>
+              <a:t>Component fetching</a:t>
+            </a:r>
+          </a:p>
+          <a:p>
+            <a:r>
+              <a:rPr lang="en-US" dirty="0"/>
+              <a:t>Allocations</a:t>
+            </a:r>
+          </a:p>
+          <a:p>
+            <a:r>
+              <a:rPr lang="en-US" dirty="0"/>
+              <a:t>Cache coherence</a:t>
+            </a:r>
+          </a:p>
+          <a:p>
+            <a:r>
+              <a:rPr lang="en-US" dirty="0"/>
+              <a:t>Debugging</a:t>
+            </a:r>
+          </a:p>
+          <a:p>
             <a:endParaRPr lang="en-US" dirty="0"/>
           </a:p>
-        </p:txBody>
-      </p:sp>
-      <p:sp>
-        <p:nvSpPr>
-          <p:cNvPr id="3" name="Content Placeholder 2"/>
-          <p:cNvSpPr>
-            <a:spLocks noGrp="1"/>
-          </p:cNvSpPr>
-          <p:nvPr>
-            <p:ph idx="1"/>
-          </p:nvPr>
-        </p:nvSpPr>
-        <p:spPr/>
-        <p:txBody>
-          <a:bodyPr/>
-          <a:lstStyle/>
-          <a:p>
-            <a:r>
-              <a:rPr lang="en-US" dirty="0" smtClean="0"/>
-              <a:t>Memory</a:t>
-            </a:r>
-          </a:p>
-          <a:p>
-            <a:pPr lvl="1"/>
-            <a:r>
-              <a:rPr lang="en-US" dirty="0" smtClean="0"/>
-              <a:t>Allocation</a:t>
-            </a:r>
-            <a:endParaRPr lang="en-US" dirty="0" smtClean="0"/>
-          </a:p>
-          <a:p>
-            <a:pPr lvl="1"/>
-            <a:r>
-              <a:rPr lang="en-US" dirty="0" smtClean="0"/>
-              <a:t>Cache coherence</a:t>
-            </a:r>
+          <a:p>
             <a:endParaRPr lang="en-US" dirty="0"/>
           </a:p>
         </p:txBody>
@@ -3778,10 +3978,180 @@
           <a:lstStyle/>
           <a:p>
             <a:r>
-              <a:rPr lang="en-US" dirty="0" smtClean="0"/>
+              <a:rPr lang="en-US" dirty="0"/>
+              <a:t>Code Time – Cheap(</a:t>
+            </a:r>
+            <a:r>
+              <a:rPr lang="en-US" dirty="0" err="1"/>
+              <a:t>er</a:t>
+            </a:r>
+            <a:r>
+              <a:rPr lang="en-US" dirty="0"/>
+              <a:t>) RTTI</a:t>
+            </a:r>
+            <a:endParaRPr lang="nl-NL" dirty="0"/>
+          </a:p>
+        </p:txBody>
+      </p:sp>
+      <p:sp>
+        <p:nvSpPr>
+          <p:cNvPr id="3" name="Content Placeholder 2"/>
+          <p:cNvSpPr>
+            <a:spLocks noGrp="1"/>
+          </p:cNvSpPr>
+          <p:nvPr>
+            <p:ph idx="1"/>
+          </p:nvPr>
+        </p:nvSpPr>
+        <p:spPr/>
+        <p:txBody>
+          <a:bodyPr/>
+          <a:lstStyle/>
+          <a:p>
+            <a:r>
+              <a:rPr lang="en-US" b="1" dirty="0"/>
+              <a:t>If time permits</a:t>
+            </a:r>
+          </a:p>
+          <a:p>
+            <a:r>
+              <a:rPr lang="en-US" dirty="0"/>
+              <a:t>Replace/Reduce RTTI</a:t>
+            </a:r>
+          </a:p>
+          <a:p>
+            <a:r>
+              <a:rPr lang="en-US" dirty="0"/>
+              <a:t>The magic of templates 2</a:t>
+            </a:r>
+          </a:p>
+          <a:p>
+            <a:r>
+              <a:rPr lang="en-US" dirty="0"/>
+              <a:t>Creating an ID for a type at run time</a:t>
+            </a:r>
+          </a:p>
+          <a:p>
+            <a:pPr lvl="1"/>
+            <a:r>
+              <a:rPr lang="en-US" dirty="0"/>
+              <a:t>Bunch of C++ hacks</a:t>
+            </a:r>
+          </a:p>
+          <a:p>
+            <a:pPr lvl="1"/>
+            <a:r>
+              <a:rPr lang="en-US" dirty="0"/>
+              <a:t>How many instances of </a:t>
+            </a:r>
+            <a:r>
+              <a:rPr lang="en-US" i="1" dirty="0"/>
+              <a:t>_count</a:t>
+            </a:r>
+            <a:r>
+              <a:rPr lang="en-US" dirty="0"/>
+              <a:t> exist?</a:t>
+            </a:r>
+          </a:p>
+          <a:p>
+            <a:pPr lvl="1"/>
+            <a:r>
+              <a:rPr lang="en-US" dirty="0"/>
+              <a:t>How many instances of </a:t>
+            </a:r>
+            <a:r>
+              <a:rPr lang="en-US" i="1" dirty="0"/>
+              <a:t>_id</a:t>
+            </a:r>
+            <a:r>
+              <a:rPr lang="en-US" dirty="0"/>
+              <a:t> exist?</a:t>
+            </a:r>
+          </a:p>
+          <a:p>
+            <a:pPr lvl="1"/>
+            <a:r>
+              <a:rPr lang="en-US" dirty="0"/>
+              <a:t>Why is </a:t>
+            </a:r>
+            <a:r>
+              <a:rPr lang="en-US" i="1" dirty="0"/>
+              <a:t>_count</a:t>
+            </a:r>
+            <a:r>
+              <a:rPr lang="en-US" dirty="0"/>
+              <a:t> defined in CPP file and </a:t>
+            </a:r>
+            <a:r>
+              <a:rPr lang="en-US" i="1" dirty="0"/>
+              <a:t>_id</a:t>
+            </a:r>
+            <a:r>
+              <a:rPr lang="en-US" dirty="0"/>
+              <a:t> in H</a:t>
+            </a:r>
+          </a:p>
+          <a:p>
+            <a:pPr lvl="1"/>
+            <a:endParaRPr lang="en-US" dirty="0"/>
+          </a:p>
+          <a:p>
+            <a:pPr marL="0" indent="0">
+              <a:buNone/>
+            </a:pPr>
+            <a:endParaRPr lang="nl-NL" dirty="0"/>
+          </a:p>
+        </p:txBody>
+      </p:sp>
+    </p:spTree>
+    <p:extLst>
+      <p:ext uri="{BB962C8B-B14F-4D97-AF65-F5344CB8AC3E}">
+        <p14:creationId xmlns:p14="http://schemas.microsoft.com/office/powerpoint/2010/main" val="3769287465"/>
+      </p:ext>
+    </p:extLst>
+  </p:cSld>
+  <p:clrMapOvr>
+    <a:masterClrMapping/>
+  </p:clrMapOvr>
+</p:sld>
+</file>
+
+<file path=ppt/slides/slide9.xml><?xml version="1.0" encoding="utf-8"?>
+<p:sld xmlns:a="http://schemas.openxmlformats.org/drawingml/2006/main" xmlns:r="http://schemas.openxmlformats.org/officeDocument/2006/relationships" xmlns:p="http://schemas.openxmlformats.org/presentationml/2006/main">
+  <p:cSld>
+    <p:spTree>
+      <p:nvGrpSpPr>
+        <p:cNvPr id="1" name=""/>
+        <p:cNvGrpSpPr/>
+        <p:nvPr/>
+      </p:nvGrpSpPr>
+      <p:grpSpPr>
+        <a:xfrm>
+          <a:off x="0" y="0"/>
+          <a:ext cx="0" cy="0"/>
+          <a:chOff x="0" y="0"/>
+          <a:chExt cx="0" cy="0"/>
+        </a:xfrm>
+      </p:grpSpPr>
+      <p:sp>
+        <p:nvSpPr>
+          <p:cNvPr id="2" name="Title 1"/>
+          <p:cNvSpPr>
+            <a:spLocks noGrp="1"/>
+          </p:cNvSpPr>
+          <p:nvPr>
+            <p:ph type="title"/>
+          </p:nvPr>
+        </p:nvSpPr>
+        <p:spPr/>
+        <p:txBody>
+          <a:bodyPr/>
+          <a:lstStyle/>
+          <a:p>
+            <a:r>
+              <a:rPr lang="en-US" dirty="0"/>
               <a:t>Data oriented entity-component systems</a:t>
             </a:r>
-            <a:endParaRPr lang="en-US" dirty="0"/>
           </a:p>
         </p:txBody>
       </p:sp>
@@ -3804,15 +4174,15 @@
               <a:buNone/>
             </a:pPr>
             <a:r>
-              <a:rPr lang="en-US" dirty="0" smtClean="0"/>
+              <a:rPr lang="en-US" dirty="0"/>
               <a:t>Not explained here, read the fantastically written </a:t>
             </a:r>
             <a:r>
-              <a:rPr lang="en-US" dirty="0" err="1" smtClean="0"/>
+              <a:rPr lang="en-US" dirty="0" err="1"/>
               <a:t>BitSquid</a:t>
             </a:r>
             <a:r>
-              <a:rPr lang="en-US" dirty="0" smtClean="0"/>
+              <a:rPr lang="en-US" dirty="0"/>
               <a:t> blog:</a:t>
             </a:r>
           </a:p>
@@ -3821,13 +4191,13 @@
               <a:buNone/>
             </a:pPr>
             <a:r>
-              <a:rPr lang="en-US" dirty="0" smtClean="0">
+              <a:rPr lang="en-US" dirty="0">
                 <a:hlinkClick r:id="rId2"/>
               </a:rPr>
               <a:t>http://bitsquid.blogspot.nl/2014/08/building-data-oriented-entity-system.html</a:t>
             </a:r>
             <a:r>
-              <a:rPr lang="en-US" dirty="0" smtClean="0"/>
+              <a:rPr lang="en-US" dirty="0"/>
               <a:t> </a:t>
             </a:r>
           </a:p>
@@ -3836,32 +4206,32 @@
               <a:buNone/>
             </a:pPr>
             <a:r>
-              <a:rPr lang="en-US" dirty="0" smtClean="0"/>
+              <a:rPr lang="en-US" dirty="0"/>
               <a:t>Main points</a:t>
             </a:r>
           </a:p>
           <a:p>
             <a:r>
-              <a:rPr lang="en-US" dirty="0" smtClean="0"/>
+              <a:rPr lang="en-US" dirty="0"/>
               <a:t>Keep your data together</a:t>
             </a:r>
           </a:p>
           <a:p>
             <a:r>
-              <a:rPr lang="en-US" dirty="0" smtClean="0"/>
+              <a:rPr lang="en-US" dirty="0"/>
               <a:t>Manage all internals in the component managers</a:t>
             </a:r>
           </a:p>
           <a:p>
             <a:r>
-              <a:rPr lang="en-US" dirty="0" smtClean="0"/>
+              <a:rPr lang="en-US" dirty="0"/>
               <a:t>Work with </a:t>
             </a:r>
             <a:r>
-              <a:rPr lang="en-US" smtClean="0"/>
+              <a:rPr lang="en-US"/>
               <a:t>the component managers</a:t>
             </a:r>
-            <a:endParaRPr lang="en-US" dirty="0" smtClean="0"/>
+            <a:endParaRPr lang="en-US" dirty="0"/>
           </a:p>
           <a:p>
             <a:pPr marL="0" indent="0">
